--- a/Polytomy/ppt/Papers of Jiwon Oh.pptx
+++ b/Polytomy/ppt/Papers of Jiwon Oh.pptx
@@ -6,6 +6,11 @@
   </p:sldMasterIdLst>
   <p:sldIdLst>
     <p:sldId id="256" r:id="rId2"/>
+    <p:sldId id="258" r:id="rId3"/>
+    <p:sldId id="257" r:id="rId4"/>
+    <p:sldId id="259" r:id="rId5"/>
+    <p:sldId id="261" r:id="rId6"/>
+    <p:sldId id="260" r:id="rId7"/>
   </p:sldIdLst>
   <p:sldSz cx="12192000" cy="6858000"/>
   <p:notesSz cx="6858000" cy="9144000"/>
@@ -104,6 +109,26 @@
       </a:defRPr>
     </a:lvl9pPr>
   </p:defaultTextStyle>
+  <p:extLst>
+    <p:ext uri="{521415D9-36F7-43E2-AB2F-B90AF26B5E84}">
+      <p14:sectionLst xmlns:p14="http://schemas.microsoft.com/office/powerpoint/2010/main">
+        <p14:section name="기본 구역" id="{31D3D145-5A17-F848-A69C-90C7F3F49314}">
+          <p14:sldIdLst>
+            <p14:sldId id="256"/>
+          </p14:sldIdLst>
+        </p14:section>
+        <p14:section name="2020, Cellular lineage tracing" id="{2AA7B2BF-C5B1-794F-90E3-6D42B73C8C37}">
+          <p14:sldIdLst>
+            <p14:sldId id="258"/>
+            <p14:sldId id="257"/>
+            <p14:sldId id="259"/>
+            <p14:sldId id="261"/>
+            <p14:sldId id="260"/>
+          </p14:sldIdLst>
+        </p14:section>
+      </p14:sectionLst>
+    </p:ext>
+  </p:extLst>
 </p:presentation>
 </file>
 
@@ -3337,37 +3362,78 @@
             <p:ph type="ctrTitle"/>
           </p:nvPr>
         </p:nvSpPr>
+        <p:spPr>
+          <a:xfrm>
+            <a:off x="1195137" y="1122363"/>
+            <a:ext cx="9801726" cy="2387600"/>
+          </a:xfrm>
+        </p:spPr>
+        <p:txBody>
+          <a:bodyPr/>
+          <a:lstStyle/>
+          <a:p>
+            <a:r>
+              <a:rPr kumimoji="1" lang="en-US" altLang="ko-KR" dirty="0">
+                <a:latin typeface="Arial" panose="020B0604020202020204" pitchFamily="34" charset="0"/>
+                <a:cs typeface="Arial" panose="020B0604020202020204" pitchFamily="34" charset="0"/>
+              </a:rPr>
+              <a:t>Paper Review of Jiwon Oh</a:t>
+            </a:r>
+            <a:endParaRPr kumimoji="1" lang="ko-KR" altLang="en-US" dirty="0">
+              <a:latin typeface="Arial" panose="020B0604020202020204" pitchFamily="34" charset="0"/>
+              <a:cs typeface="Arial" panose="020B0604020202020204" pitchFamily="34" charset="0"/>
+            </a:endParaRPr>
+          </a:p>
+        </p:txBody>
+      </p:sp>
+      <p:sp>
+        <p:nvSpPr>
+          <p:cNvPr id="3" name="부제목 2">
+            <a:extLst>
+              <a:ext uri="{FF2B5EF4-FFF2-40B4-BE49-F238E27FC236}">
+                <a16:creationId xmlns:a16="http://schemas.microsoft.com/office/drawing/2014/main" id="{7F4AE17B-CC8D-5329-22DA-7F29BD266A56}"/>
+              </a:ext>
+            </a:extLst>
+          </p:cNvPr>
+          <p:cNvSpPr>
+            <a:spLocks noGrp="1"/>
+          </p:cNvSpPr>
+          <p:nvPr>
+            <p:ph type="subTitle" idx="1"/>
+          </p:nvPr>
+        </p:nvSpPr>
         <p:spPr/>
         <p:txBody>
           <a:bodyPr/>
           <a:lstStyle/>
           <a:p>
-            <a:endParaRPr kumimoji="1" lang="ko-KR" altLang="en-US"/>
-          </a:p>
-        </p:txBody>
-      </p:sp>
-      <p:sp>
-        <p:nvSpPr>
-          <p:cNvPr id="3" name="부제목 2">
-            <a:extLst>
-              <a:ext uri="{FF2B5EF4-FFF2-40B4-BE49-F238E27FC236}">
-                <a16:creationId xmlns:a16="http://schemas.microsoft.com/office/drawing/2014/main" id="{7F4AE17B-CC8D-5329-22DA-7F29BD266A56}"/>
-              </a:ext>
-            </a:extLst>
-          </p:cNvPr>
-          <p:cNvSpPr>
-            <a:spLocks noGrp="1"/>
-          </p:cNvSpPr>
-          <p:nvPr>
-            <p:ph type="subTitle" idx="1"/>
-          </p:nvPr>
-        </p:nvSpPr>
-        <p:spPr/>
-        <p:txBody>
-          <a:bodyPr/>
-          <a:lstStyle/>
-          <a:p>
-            <a:endParaRPr kumimoji="1" lang="ko-KR" altLang="en-US"/>
+            <a:r>
+              <a:rPr kumimoji="1" lang="en-US" altLang="ko-KR" dirty="0" err="1">
+                <a:latin typeface="Arial" panose="020B0604020202020204" pitchFamily="34" charset="0"/>
+                <a:cs typeface="Arial" panose="020B0604020202020204" pitchFamily="34" charset="0"/>
+              </a:rPr>
+              <a:t>Yongjun</a:t>
+            </a:r>
+            <a:r>
+              <a:rPr kumimoji="1" lang="en-US" altLang="ko-KR" dirty="0">
+                <a:latin typeface="Arial" panose="020B0604020202020204" pitchFamily="34" charset="0"/>
+                <a:cs typeface="Arial" panose="020B0604020202020204" pitchFamily="34" charset="0"/>
+              </a:rPr>
+              <a:t> Choi</a:t>
+            </a:r>
+          </a:p>
+          <a:p>
+            <a:r>
+              <a:rPr kumimoji="1" lang="en-US" altLang="ko-KR" dirty="0">
+                <a:latin typeface="Arial" panose="020B0604020202020204" pitchFamily="34" charset="0"/>
+                <a:cs typeface="Arial" panose="020B0604020202020204" pitchFamily="34" charset="0"/>
+              </a:rPr>
+              <a:t>2025.09.22</a:t>
+            </a:r>
+            <a:endParaRPr kumimoji="1" lang="ko-KR" altLang="en-US" dirty="0">
+              <a:latin typeface="Arial" panose="020B0604020202020204" pitchFamily="34" charset="0"/>
+              <a:cs typeface="Arial" panose="020B0604020202020204" pitchFamily="34" charset="0"/>
+            </a:endParaRPr>
           </a:p>
         </p:txBody>
       </p:sp>
@@ -3375,6 +3441,1182 @@
     <p:extLst>
       <p:ext uri="{BB962C8B-B14F-4D97-AF65-F5344CB8AC3E}">
         <p14:creationId xmlns:p14="http://schemas.microsoft.com/office/powerpoint/2010/main" val="1708742359"/>
+      </p:ext>
+    </p:extLst>
+  </p:cSld>
+  <p:clrMapOvr>
+    <a:masterClrMapping/>
+  </p:clrMapOvr>
+</p:sld>
+</file>
+
+<file path=ppt/slides/slide2.xml><?xml version="1.0" encoding="utf-8"?>
+<p:sld xmlns:a="http://schemas.openxmlformats.org/drawingml/2006/main" xmlns:r="http://schemas.openxmlformats.org/officeDocument/2006/relationships" xmlns:p="http://schemas.openxmlformats.org/presentationml/2006/main">
+  <p:cSld>
+    <p:spTree>
+      <p:nvGrpSpPr>
+        <p:cNvPr id="1" name=""/>
+        <p:cNvGrpSpPr/>
+        <p:nvPr/>
+      </p:nvGrpSpPr>
+      <p:grpSpPr>
+        <a:xfrm>
+          <a:off x="0" y="0"/>
+          <a:ext cx="0" cy="0"/>
+          <a:chOff x="0" y="0"/>
+          <a:chExt cx="0" cy="0"/>
+        </a:xfrm>
+      </p:grpSpPr>
+      <p:sp>
+        <p:nvSpPr>
+          <p:cNvPr id="2" name="제목 1">
+            <a:extLst>
+              <a:ext uri="{FF2B5EF4-FFF2-40B4-BE49-F238E27FC236}">
+                <a16:creationId xmlns:a16="http://schemas.microsoft.com/office/drawing/2014/main" id="{A5A764A4-CB0C-8B83-C682-5253BB33984D}"/>
+              </a:ext>
+            </a:extLst>
+          </p:cNvPr>
+          <p:cNvSpPr>
+            <a:spLocks noGrp="1"/>
+          </p:cNvSpPr>
+          <p:nvPr>
+            <p:ph type="title"/>
+          </p:nvPr>
+        </p:nvSpPr>
+        <p:spPr/>
+        <p:txBody>
+          <a:bodyPr>
+            <a:normAutofit fontScale="90000"/>
+          </a:bodyPr>
+          <a:lstStyle/>
+          <a:p>
+            <a:r>
+              <a:rPr kumimoji="1" lang="en-US" altLang="ko-KR" dirty="0">
+                <a:latin typeface="Arial" panose="020B0604020202020204" pitchFamily="34" charset="0"/>
+                <a:cs typeface="Arial" panose="020B0604020202020204" pitchFamily="34" charset="0"/>
+              </a:rPr>
+              <a:t>Cellular lineage tracing by somatic variations for understanding human early embryogenesis</a:t>
+            </a:r>
+            <a:endParaRPr kumimoji="1" lang="ko-KR" altLang="en-US" dirty="0">
+              <a:latin typeface="Arial" panose="020B0604020202020204" pitchFamily="34" charset="0"/>
+              <a:cs typeface="Arial" panose="020B0604020202020204" pitchFamily="34" charset="0"/>
+            </a:endParaRPr>
+          </a:p>
+        </p:txBody>
+      </p:sp>
+      <p:sp>
+        <p:nvSpPr>
+          <p:cNvPr id="3" name="텍스트 개체 틀 2">
+            <a:extLst>
+              <a:ext uri="{FF2B5EF4-FFF2-40B4-BE49-F238E27FC236}">
+                <a16:creationId xmlns:a16="http://schemas.microsoft.com/office/drawing/2014/main" id="{AAF8AC0D-6796-5733-6749-FEA2D3940C0F}"/>
+              </a:ext>
+            </a:extLst>
+          </p:cNvPr>
+          <p:cNvSpPr>
+            <a:spLocks noGrp="1"/>
+          </p:cNvSpPr>
+          <p:nvPr>
+            <p:ph type="body" idx="1"/>
+          </p:nvPr>
+        </p:nvSpPr>
+        <p:spPr/>
+        <p:txBody>
+          <a:bodyPr/>
+          <a:lstStyle/>
+          <a:p>
+            <a:r>
+              <a:rPr kumimoji="1" lang="en-US" altLang="ko-KR" dirty="0">
+                <a:latin typeface="Arial" panose="020B0604020202020204" pitchFamily="34" charset="0"/>
+                <a:cs typeface="Arial" panose="020B0604020202020204" pitchFamily="34" charset="0"/>
+              </a:rPr>
+              <a:t>2020</a:t>
+            </a:r>
+          </a:p>
+          <a:p>
+            <a:endParaRPr kumimoji="1" lang="ko-KR" altLang="en-US" dirty="0">
+              <a:latin typeface="Arial" panose="020B0604020202020204" pitchFamily="34" charset="0"/>
+              <a:cs typeface="Arial" panose="020B0604020202020204" pitchFamily="34" charset="0"/>
+            </a:endParaRPr>
+          </a:p>
+        </p:txBody>
+      </p:sp>
+    </p:spTree>
+    <p:extLst>
+      <p:ext uri="{BB962C8B-B14F-4D97-AF65-F5344CB8AC3E}">
+        <p14:creationId xmlns:p14="http://schemas.microsoft.com/office/powerpoint/2010/main" val="466530912"/>
+      </p:ext>
+    </p:extLst>
+  </p:cSld>
+  <p:clrMapOvr>
+    <a:masterClrMapping/>
+  </p:clrMapOvr>
+</p:sld>
+</file>
+
+<file path=ppt/slides/slide3.xml><?xml version="1.0" encoding="utf-8"?>
+<p:sld xmlns:a="http://schemas.openxmlformats.org/drawingml/2006/main" xmlns:r="http://schemas.openxmlformats.org/officeDocument/2006/relationships" xmlns:p="http://schemas.openxmlformats.org/presentationml/2006/main">
+  <p:cSld>
+    <p:spTree>
+      <p:nvGrpSpPr>
+        <p:cNvPr id="1" name=""/>
+        <p:cNvGrpSpPr/>
+        <p:nvPr/>
+      </p:nvGrpSpPr>
+      <p:grpSpPr>
+        <a:xfrm>
+          <a:off x="0" y="0"/>
+          <a:ext cx="0" cy="0"/>
+          <a:chOff x="0" y="0"/>
+          <a:chExt cx="0" cy="0"/>
+        </a:xfrm>
+      </p:grpSpPr>
+      <p:sp>
+        <p:nvSpPr>
+          <p:cNvPr id="2" name="제목 1">
+            <a:extLst>
+              <a:ext uri="{FF2B5EF4-FFF2-40B4-BE49-F238E27FC236}">
+                <a16:creationId xmlns:a16="http://schemas.microsoft.com/office/drawing/2014/main" id="{AEF50F25-F966-5109-FA7E-8B40ECA55371}"/>
+              </a:ext>
+            </a:extLst>
+          </p:cNvPr>
+          <p:cNvSpPr>
+            <a:spLocks noGrp="1"/>
+          </p:cNvSpPr>
+          <p:nvPr>
+            <p:ph type="title"/>
+          </p:nvPr>
+        </p:nvSpPr>
+        <p:spPr/>
+        <p:txBody>
+          <a:bodyPr>
+            <a:normAutofit/>
+          </a:bodyPr>
+          <a:lstStyle/>
+          <a:p>
+            <a:r>
+              <a:rPr kumimoji="1" lang="en-US" altLang="ko-KR" sz="3500" dirty="0">
+                <a:highlight>
+                  <a:srgbClr val="FFFF00"/>
+                </a:highlight>
+                <a:latin typeface="Arial" panose="020B0604020202020204" pitchFamily="34" charset="0"/>
+                <a:cs typeface="Arial" panose="020B0604020202020204" pitchFamily="34" charset="0"/>
+              </a:rPr>
+              <a:t>1. Introduction</a:t>
+            </a:r>
+            <a:endParaRPr kumimoji="1" lang="ko-KR" altLang="en-US" sz="3500" dirty="0">
+              <a:highlight>
+                <a:srgbClr val="FFFF00"/>
+              </a:highlight>
+              <a:latin typeface="Arial" panose="020B0604020202020204" pitchFamily="34" charset="0"/>
+              <a:cs typeface="Arial" panose="020B0604020202020204" pitchFamily="34" charset="0"/>
+            </a:endParaRPr>
+          </a:p>
+        </p:txBody>
+      </p:sp>
+      <p:sp>
+        <p:nvSpPr>
+          <p:cNvPr id="3" name="내용 개체 틀 2">
+            <a:extLst>
+              <a:ext uri="{FF2B5EF4-FFF2-40B4-BE49-F238E27FC236}">
+                <a16:creationId xmlns:a16="http://schemas.microsoft.com/office/drawing/2014/main" id="{8A94B930-9D3F-F8F3-1596-F318B10DF824}"/>
+              </a:ext>
+            </a:extLst>
+          </p:cNvPr>
+          <p:cNvSpPr>
+            <a:spLocks noGrp="1"/>
+          </p:cNvSpPr>
+          <p:nvPr>
+            <p:ph idx="1"/>
+          </p:nvPr>
+        </p:nvSpPr>
+        <p:spPr/>
+        <p:txBody>
+          <a:bodyPr>
+            <a:normAutofit fontScale="85000" lnSpcReduction="20000"/>
+          </a:bodyPr>
+          <a:lstStyle/>
+          <a:p>
+            <a:r>
+              <a:rPr kumimoji="1" lang="en-US" altLang="ko-KR" dirty="0">
+                <a:latin typeface="Arial" panose="020B0604020202020204" pitchFamily="34" charset="0"/>
+                <a:cs typeface="Arial" panose="020B0604020202020204" pitchFamily="34" charset="0"/>
+              </a:rPr>
+              <a:t>Somatic mutation -&gt; Mosaicism (SNV, CNV, indel)</a:t>
+            </a:r>
+          </a:p>
+          <a:p>
+            <a:pPr lvl="1"/>
+            <a:r>
+              <a:rPr kumimoji="1" lang="en-US" altLang="ko-KR" dirty="0">
+                <a:latin typeface="Arial" panose="020B0604020202020204" pitchFamily="34" charset="0"/>
+                <a:cs typeface="Arial" panose="020B0604020202020204" pitchFamily="34" charset="0"/>
+              </a:rPr>
+              <a:t>Can be used to understand early embryonic development</a:t>
+            </a:r>
+          </a:p>
+          <a:p>
+            <a:endParaRPr kumimoji="1" lang="en-US" altLang="ko-KR" dirty="0">
+              <a:latin typeface="Arial" panose="020B0604020202020204" pitchFamily="34" charset="0"/>
+              <a:cs typeface="Arial" panose="020B0604020202020204" pitchFamily="34" charset="0"/>
+            </a:endParaRPr>
+          </a:p>
+          <a:p>
+            <a:r>
+              <a:rPr kumimoji="1" lang="en-US" altLang="ko-KR" dirty="0">
+                <a:latin typeface="Arial" panose="020B0604020202020204" pitchFamily="34" charset="0"/>
+                <a:cs typeface="Arial" panose="020B0604020202020204" pitchFamily="34" charset="0"/>
+              </a:rPr>
+              <a:t>In this study,</a:t>
+            </a:r>
+          </a:p>
+          <a:p>
+            <a:pPr lvl="1"/>
+            <a:r>
+              <a:rPr lang="en-US" altLang="ko-KR" dirty="0">
+                <a:latin typeface="Arial" panose="020B0604020202020204" pitchFamily="34" charset="0"/>
+                <a:cs typeface="Arial" panose="020B0604020202020204" pitchFamily="34" charset="0"/>
+              </a:rPr>
+              <a:t>Isolated single cell clones of different tissues from warm autopsy to elucidate cell lineage and cell fate.</a:t>
+            </a:r>
+          </a:p>
+          <a:p>
+            <a:pPr lvl="1"/>
+            <a:r>
+              <a:rPr lang="en-US" altLang="ko-KR" dirty="0">
+                <a:latin typeface="Arial" panose="020B0604020202020204" pitchFamily="34" charset="0"/>
+                <a:cs typeface="Arial" panose="020B0604020202020204" pitchFamily="34" charset="0"/>
+              </a:rPr>
+              <a:t>Sequenced clones of single cells and identified somatic variants of each clone.</a:t>
+            </a:r>
+          </a:p>
+          <a:p>
+            <a:endParaRPr lang="en-US" altLang="ko-KR" dirty="0">
+              <a:latin typeface="Arial" panose="020B0604020202020204" pitchFamily="34" charset="0"/>
+              <a:cs typeface="Arial" panose="020B0604020202020204" pitchFamily="34" charset="0"/>
+            </a:endParaRPr>
+          </a:p>
+          <a:p>
+            <a:r>
+              <a:rPr lang="en-US" altLang="ko-KR" dirty="0">
+                <a:latin typeface="Arial" panose="020B0604020202020204" pitchFamily="34" charset="0"/>
+                <a:cs typeface="Arial" panose="020B0604020202020204" pitchFamily="34" charset="0"/>
+              </a:rPr>
+              <a:t>Conclusions</a:t>
+            </a:r>
+          </a:p>
+          <a:p>
+            <a:pPr lvl="1"/>
+            <a:r>
+              <a:rPr lang="en-US" altLang="ko-KR" dirty="0">
+                <a:latin typeface="Arial" panose="020B0604020202020204" pitchFamily="34" charset="0"/>
+                <a:cs typeface="Arial" panose="020B0604020202020204" pitchFamily="34" charset="0"/>
+              </a:rPr>
+              <a:t>Found that asymmetric contribution of early two embryonic cells in adult tissue.</a:t>
+            </a:r>
+          </a:p>
+          <a:p>
+            <a:pPr lvl="1"/>
+            <a:r>
+              <a:rPr lang="en-US" altLang="ko-KR" dirty="0">
+                <a:latin typeface="Arial" panose="020B0604020202020204" pitchFamily="34" charset="0"/>
+                <a:cs typeface="Arial" panose="020B0604020202020204" pitchFamily="34" charset="0"/>
+              </a:rPr>
+              <a:t>Found early embryo development is not coincide with the distance of adult tissue and the adjacent cell in embryo.</a:t>
+            </a:r>
+          </a:p>
+          <a:p>
+            <a:pPr lvl="1"/>
+            <a:r>
+              <a:rPr lang="en-US" altLang="ko-KR" dirty="0">
+                <a:latin typeface="Arial" panose="020B0604020202020204" pitchFamily="34" charset="0"/>
+                <a:cs typeface="Arial" panose="020B0604020202020204" pitchFamily="34" charset="0"/>
+              </a:rPr>
+              <a:t>Showed cellular dynamics during gastrulation in </a:t>
+            </a:r>
+            <a:r>
+              <a:rPr lang="en-US" altLang="ko-KR" dirty="0" err="1">
+                <a:latin typeface="Arial" panose="020B0604020202020204" pitchFamily="34" charset="0"/>
+                <a:cs typeface="Arial" panose="020B0604020202020204" pitchFamily="34" charset="0"/>
+              </a:rPr>
+              <a:t>wich</a:t>
+            </a:r>
+            <a:r>
+              <a:rPr lang="en-US" altLang="ko-KR" dirty="0">
+                <a:latin typeface="Arial" panose="020B0604020202020204" pitchFamily="34" charset="0"/>
+                <a:cs typeface="Arial" panose="020B0604020202020204" pitchFamily="34" charset="0"/>
+              </a:rPr>
+              <a:t> ancestral progeny cells are enriched in certain anatomical locations.</a:t>
+            </a:r>
+          </a:p>
+          <a:p>
+            <a:pPr lvl="1"/>
+            <a:endParaRPr lang="en-US" altLang="ko-KR" dirty="0">
+              <a:latin typeface="Arial" panose="020B0604020202020204" pitchFamily="34" charset="0"/>
+              <a:cs typeface="Arial" panose="020B0604020202020204" pitchFamily="34" charset="0"/>
+            </a:endParaRPr>
+          </a:p>
+          <a:p>
+            <a:pPr lvl="1"/>
+            <a:endParaRPr lang="en-US" altLang="ko-KR" dirty="0">
+              <a:latin typeface="Arial" panose="020B0604020202020204" pitchFamily="34" charset="0"/>
+              <a:cs typeface="Arial" panose="020B0604020202020204" pitchFamily="34" charset="0"/>
+            </a:endParaRPr>
+          </a:p>
+          <a:p>
+            <a:pPr lvl="1"/>
+            <a:endParaRPr kumimoji="1" lang="ko-KR" altLang="en-US" dirty="0">
+              <a:latin typeface="Arial" panose="020B0604020202020204" pitchFamily="34" charset="0"/>
+              <a:cs typeface="Arial" panose="020B0604020202020204" pitchFamily="34" charset="0"/>
+            </a:endParaRPr>
+          </a:p>
+        </p:txBody>
+      </p:sp>
+    </p:spTree>
+    <p:extLst>
+      <p:ext uri="{BB962C8B-B14F-4D97-AF65-F5344CB8AC3E}">
+        <p14:creationId xmlns:p14="http://schemas.microsoft.com/office/powerpoint/2010/main" val="1426447198"/>
+      </p:ext>
+    </p:extLst>
+  </p:cSld>
+  <p:clrMapOvr>
+    <a:masterClrMapping/>
+  </p:clrMapOvr>
+</p:sld>
+</file>
+
+<file path=ppt/slides/slide4.xml><?xml version="1.0" encoding="utf-8"?>
+<p:sld xmlns:a="http://schemas.openxmlformats.org/drawingml/2006/main" xmlns:r="http://schemas.openxmlformats.org/officeDocument/2006/relationships" xmlns:p="http://schemas.openxmlformats.org/presentationml/2006/main">
+  <p:cSld>
+    <p:spTree>
+      <p:nvGrpSpPr>
+        <p:cNvPr id="1" name=""/>
+        <p:cNvGrpSpPr/>
+        <p:nvPr/>
+      </p:nvGrpSpPr>
+      <p:grpSpPr>
+        <a:xfrm>
+          <a:off x="0" y="0"/>
+          <a:ext cx="0" cy="0"/>
+          <a:chOff x="0" y="0"/>
+          <a:chExt cx="0" cy="0"/>
+        </a:xfrm>
+      </p:grpSpPr>
+      <p:sp>
+        <p:nvSpPr>
+          <p:cNvPr id="2" name="제목 1">
+            <a:extLst>
+              <a:ext uri="{FF2B5EF4-FFF2-40B4-BE49-F238E27FC236}">
+                <a16:creationId xmlns:a16="http://schemas.microsoft.com/office/drawing/2014/main" id="{81222148-F96B-480F-3E00-D980CDA26CD6}"/>
+              </a:ext>
+            </a:extLst>
+          </p:cNvPr>
+          <p:cNvSpPr>
+            <a:spLocks noGrp="1"/>
+          </p:cNvSpPr>
+          <p:nvPr>
+            <p:ph type="title"/>
+          </p:nvPr>
+        </p:nvSpPr>
+        <p:spPr>
+          <a:xfrm>
+            <a:off x="838199" y="365125"/>
+            <a:ext cx="11253395" cy="1325563"/>
+          </a:xfrm>
+        </p:spPr>
+        <p:txBody>
+          <a:bodyPr>
+            <a:normAutofit/>
+          </a:bodyPr>
+          <a:lstStyle/>
+          <a:p>
+            <a:r>
+              <a:rPr lang="en-US" altLang="ko-KR" sz="3500" dirty="0">
+                <a:highlight>
+                  <a:srgbClr val="FFFF00"/>
+                </a:highlight>
+                <a:latin typeface="Arial" panose="020B0604020202020204" pitchFamily="34" charset="0"/>
+                <a:cs typeface="Arial" panose="020B0604020202020204" pitchFamily="34" charset="0"/>
+              </a:rPr>
+              <a:t>2. In vitro clonal expansion from postmortem tissue</a:t>
+            </a:r>
+          </a:p>
+        </p:txBody>
+      </p:sp>
+      <mc:AlternateContent xmlns:mc="http://schemas.openxmlformats.org/markup-compatibility/2006">
+        <mc:Choice xmlns:a14="http://schemas.microsoft.com/office/drawing/2010/main" Requires="a14">
+          <p:sp>
+            <p:nvSpPr>
+              <p:cNvPr id="3" name="내용 개체 틀 2">
+                <a:extLst>
+                  <a:ext uri="{FF2B5EF4-FFF2-40B4-BE49-F238E27FC236}">
+                    <a16:creationId xmlns:a16="http://schemas.microsoft.com/office/drawing/2014/main" id="{B1E3EA9C-BF9E-B240-A199-7FC252AAFB2E}"/>
+                  </a:ext>
+                </a:extLst>
+              </p:cNvPr>
+              <p:cNvSpPr>
+                <a:spLocks noGrp="1"/>
+              </p:cNvSpPr>
+              <p:nvPr>
+                <p:ph idx="1"/>
+              </p:nvPr>
+            </p:nvSpPr>
+            <p:spPr/>
+            <p:txBody>
+              <a:bodyPr>
+                <a:normAutofit fontScale="85000" lnSpcReduction="20000"/>
+              </a:bodyPr>
+              <a:lstStyle/>
+              <a:p>
+                <a:r>
+                  <a:rPr kumimoji="1" lang="en-US" altLang="ko-KR" dirty="0">
+                    <a:latin typeface="Arial" panose="020B0604020202020204" pitchFamily="34" charset="0"/>
+                    <a:cs typeface="Arial" panose="020B0604020202020204" pitchFamily="34" charset="0"/>
+                  </a:rPr>
+                  <a:t>Postmortem tissue</a:t>
+                </a:r>
+              </a:p>
+              <a:p>
+                <a:pPr lvl="1"/>
+                <a:r>
+                  <a:rPr kumimoji="1" lang="en-US" altLang="ko-KR" dirty="0">
+                    <a:latin typeface="Arial" panose="020B0604020202020204" pitchFamily="34" charset="0"/>
+                    <a:cs typeface="Arial" panose="020B0604020202020204" pitchFamily="34" charset="0"/>
+                  </a:rPr>
+                  <a:t>Possibility of contamination</a:t>
+                </a:r>
+              </a:p>
+              <a:p>
+                <a:r>
+                  <a:rPr kumimoji="1" lang="en-US" altLang="ko-KR" dirty="0">
+                    <a:latin typeface="Arial" panose="020B0604020202020204" pitchFamily="34" charset="0"/>
+                    <a:cs typeface="Arial" panose="020B0604020202020204" pitchFamily="34" charset="0"/>
+                  </a:rPr>
+                  <a:t>Cell culture</a:t>
+                </a:r>
+              </a:p>
+              <a:p>
+                <a:pPr lvl="1"/>
+                <a:r>
+                  <a:rPr kumimoji="1" lang="en-US" altLang="ko-KR" dirty="0">
+                    <a:latin typeface="Arial" panose="020B0604020202020204" pitchFamily="34" charset="0"/>
+                    <a:cs typeface="Arial" panose="020B0604020202020204" pitchFamily="34" charset="0"/>
+                  </a:rPr>
+                  <a:t>Organ culture</a:t>
+                </a:r>
+              </a:p>
+              <a:p>
+                <a:pPr lvl="1"/>
+                <a:r>
+                  <a:rPr kumimoji="1" lang="en-US" altLang="ko-KR" dirty="0">
+                    <a:latin typeface="Arial" panose="020B0604020202020204" pitchFamily="34" charset="0"/>
+                    <a:cs typeface="Arial" panose="020B0604020202020204" pitchFamily="34" charset="0"/>
+                  </a:rPr>
+                  <a:t>Organoid culture</a:t>
+                </a:r>
+              </a:p>
+              <a:p>
+                <a:pPr lvl="2"/>
+                <a:r>
+                  <a:rPr kumimoji="1" lang="en-US" altLang="ko-KR" dirty="0">
+                    <a:latin typeface="Arial" panose="020B0604020202020204" pitchFamily="34" charset="0"/>
+                    <a:cs typeface="Arial" panose="020B0604020202020204" pitchFamily="34" charset="0"/>
+                  </a:rPr>
+                  <a:t>May not be derived from clonal</a:t>
+                </a:r>
+              </a:p>
+              <a:p>
+                <a:pPr lvl="2"/>
+                <a:r>
+                  <a:rPr kumimoji="1" lang="en-US" altLang="ko-KR" dirty="0">
+                    <a:latin typeface="Arial" panose="020B0604020202020204" pitchFamily="34" charset="0"/>
+                    <a:cs typeface="Arial" panose="020B0604020202020204" pitchFamily="34" charset="0"/>
+                  </a:rPr>
+                  <a:t>Widely used for single cell sequencing because of sufficient DNA w/o amplification</a:t>
+                </a:r>
+              </a:p>
+              <a:p>
+                <a:pPr lvl="1"/>
+                <a:r>
+                  <a:rPr kumimoji="1" lang="en-US" altLang="ko-KR" dirty="0">
+                    <a:latin typeface="Arial" panose="020B0604020202020204" pitchFamily="34" charset="0"/>
+                    <a:cs typeface="Arial" panose="020B0604020202020204" pitchFamily="34" charset="0"/>
+                  </a:rPr>
+                  <a:t>Single cell clonal expansion = Explant method</a:t>
+                </a:r>
+              </a:p>
+              <a:p>
+                <a:pPr lvl="2"/>
+                <a:r>
+                  <a:rPr kumimoji="1" lang="en-US" altLang="ko-KR" dirty="0">
+                    <a:latin typeface="Arial" panose="020B0604020202020204" pitchFamily="34" charset="0"/>
+                    <a:cs typeface="Arial" panose="020B0604020202020204" pitchFamily="34" charset="0"/>
+                  </a:rPr>
+                  <a:t>Manually track cells</a:t>
+                </a:r>
+              </a:p>
+              <a:p>
+                <a:pPr lvl="2"/>
+                <a:r>
+                  <a:rPr kumimoji="1" lang="en-US" altLang="ko-KR" dirty="0">
+                    <a:latin typeface="Arial" panose="020B0604020202020204" pitchFamily="34" charset="0"/>
+                    <a:cs typeface="Arial" panose="020B0604020202020204" pitchFamily="34" charset="0"/>
+                  </a:rPr>
+                  <a:t>Suitable for primary culture in case of minimal tissue</a:t>
+                </a:r>
+              </a:p>
+              <a:p>
+                <a:pPr marL="457200" lvl="1" indent="0">
+                  <a:buNone/>
+                </a:pPr>
+                <a:r>
+                  <a:rPr kumimoji="1" lang="en-US" altLang="ko-KR" dirty="0">
+                    <a:latin typeface="Arial" panose="020B0604020202020204" pitchFamily="34" charset="0"/>
+                    <a:cs typeface="Arial" panose="020B0604020202020204" pitchFamily="34" charset="0"/>
+                  </a:rPr>
+                  <a:t>-&gt; Can cause artifacts at low frequency</a:t>
+                </a:r>
+              </a:p>
+              <a:p>
+                <a:r>
+                  <a:rPr kumimoji="1" lang="en-US" altLang="ko-KR" dirty="0">
+                    <a:latin typeface="Arial" panose="020B0604020202020204" pitchFamily="34" charset="0"/>
+                    <a:cs typeface="Arial" panose="020B0604020202020204" pitchFamily="34" charset="0"/>
+                  </a:rPr>
+                  <a:t>Variant allele frequency (VAF)</a:t>
+                </a:r>
+              </a:p>
+              <a:p>
+                <a:pPr lvl="1"/>
+                <a:r>
+                  <a:rPr kumimoji="1" lang="en-US" altLang="ko-KR" dirty="0">
+                    <a:latin typeface="Arial" panose="020B0604020202020204" pitchFamily="34" charset="0"/>
+                    <a:cs typeface="Arial" panose="020B0604020202020204" pitchFamily="34" charset="0"/>
+                  </a:rPr>
+                  <a:t>Proportion of DNA in sample carrying variants</a:t>
+                </a:r>
+              </a:p>
+              <a:p>
+                <a:pPr lvl="1"/>
+                <a14:m>
+                  <m:oMath xmlns:m="http://schemas.openxmlformats.org/officeDocument/2006/math">
+                    <m:r>
+                      <a:rPr kumimoji="1" lang="en-US" altLang="ko-KR" i="1" dirty="0" smtClean="0">
+                        <a:latin typeface="Cambria Math" panose="02040503050406030204" pitchFamily="18" charset="0"/>
+                        <a:cs typeface="Arial" panose="020B0604020202020204" pitchFamily="34" charset="0"/>
+                      </a:rPr>
+                      <m:t>𝑉𝐴</m:t>
+                    </m:r>
+                    <m:sSub>
+                      <m:sSubPr>
+                        <m:ctrlPr>
+                          <a:rPr kumimoji="1" lang="en-US" altLang="ko-KR" i="1" dirty="0" smtClean="0">
+                            <a:latin typeface="Cambria Math" panose="02040503050406030204" pitchFamily="18" charset="0"/>
+                            <a:cs typeface="Arial" panose="020B0604020202020204" pitchFamily="34" charset="0"/>
+                          </a:rPr>
+                        </m:ctrlPr>
+                      </m:sSubPr>
+                      <m:e>
+                        <m:r>
+                          <a:rPr kumimoji="1" lang="en-US" altLang="ko-KR" i="1" dirty="0" smtClean="0">
+                            <a:latin typeface="Cambria Math" panose="02040503050406030204" pitchFamily="18" charset="0"/>
+                            <a:cs typeface="Arial" panose="020B0604020202020204" pitchFamily="34" charset="0"/>
+                          </a:rPr>
+                          <m:t>𝐹</m:t>
+                        </m:r>
+                      </m:e>
+                      <m:sub>
+                        <m:r>
+                          <a:rPr kumimoji="1" lang="en-US" altLang="ko-KR" i="1" dirty="0" smtClean="0">
+                            <a:latin typeface="Cambria Math" panose="02040503050406030204" pitchFamily="18" charset="0"/>
+                            <a:cs typeface="Arial" panose="020B0604020202020204" pitchFamily="34" charset="0"/>
+                          </a:rPr>
+                          <m:t>𝑒𝑎𝑟𝑙𝑦</m:t>
+                        </m:r>
+                      </m:sub>
+                    </m:sSub>
+                    <m:r>
+                      <a:rPr kumimoji="1" lang="en-US" altLang="ko-KR" i="1" dirty="0" smtClean="0">
+                        <a:latin typeface="Cambria Math" panose="02040503050406030204" pitchFamily="18" charset="0"/>
+                        <a:cs typeface="Arial" panose="020B0604020202020204" pitchFamily="34" charset="0"/>
+                      </a:rPr>
+                      <m:t>&gt;</m:t>
+                    </m:r>
+                    <m:r>
+                      <a:rPr kumimoji="1" lang="en-US" altLang="ko-KR" i="1" dirty="0" err="1" smtClean="0">
+                        <a:latin typeface="Cambria Math" panose="02040503050406030204" pitchFamily="18" charset="0"/>
+                        <a:cs typeface="Arial" panose="020B0604020202020204" pitchFamily="34" charset="0"/>
+                      </a:rPr>
+                      <m:t>𝑉𝐴</m:t>
+                    </m:r>
+                    <m:sSub>
+                      <m:sSubPr>
+                        <m:ctrlPr>
+                          <a:rPr kumimoji="1" lang="en-US" altLang="ko-KR" i="1" dirty="0" err="1" smtClean="0">
+                            <a:latin typeface="Cambria Math" panose="02040503050406030204" pitchFamily="18" charset="0"/>
+                            <a:cs typeface="Arial" panose="020B0604020202020204" pitchFamily="34" charset="0"/>
+                          </a:rPr>
+                        </m:ctrlPr>
+                      </m:sSubPr>
+                      <m:e>
+                        <m:r>
+                          <a:rPr kumimoji="1" lang="en-US" altLang="ko-KR" i="1" dirty="0" err="1" smtClean="0">
+                            <a:latin typeface="Cambria Math" panose="02040503050406030204" pitchFamily="18" charset="0"/>
+                            <a:cs typeface="Arial" panose="020B0604020202020204" pitchFamily="34" charset="0"/>
+                          </a:rPr>
+                          <m:t>𝐹</m:t>
+                        </m:r>
+                      </m:e>
+                      <m:sub>
+                        <m:r>
+                          <a:rPr kumimoji="1" lang="en-US" altLang="ko-KR" i="1" dirty="0" err="1" smtClean="0">
+                            <a:latin typeface="Cambria Math" panose="02040503050406030204" pitchFamily="18" charset="0"/>
+                            <a:cs typeface="Arial" panose="020B0604020202020204" pitchFamily="34" charset="0"/>
+                          </a:rPr>
+                          <m:t>𝑙𝑎𝑡𝑒</m:t>
+                        </m:r>
+                        <m:r>
+                          <a:rPr kumimoji="1" lang="en-US" altLang="ko-KR" i="1" dirty="0" err="1">
+                            <a:latin typeface="Cambria Math" panose="02040503050406030204" pitchFamily="18" charset="0"/>
+                            <a:cs typeface="Arial" panose="020B0604020202020204" pitchFamily="34" charset="0"/>
+                          </a:rPr>
+                          <m:t>𝑟</m:t>
+                        </m:r>
+                      </m:sub>
+                    </m:sSub>
+                  </m:oMath>
+                </a14:m>
+                <a:endParaRPr kumimoji="1" lang="en-US" altLang="ko-KR" dirty="0">
+                  <a:latin typeface="Arial" panose="020B0604020202020204" pitchFamily="34" charset="0"/>
+                  <a:cs typeface="Arial" panose="020B0604020202020204" pitchFamily="34" charset="0"/>
+                </a:endParaRPr>
+              </a:p>
+              <a:p>
+                <a:endParaRPr kumimoji="1" lang="ko-KR" altLang="en-US" dirty="0">
+                  <a:latin typeface="Arial" panose="020B0604020202020204" pitchFamily="34" charset="0"/>
+                  <a:cs typeface="Arial" panose="020B0604020202020204" pitchFamily="34" charset="0"/>
+                </a:endParaRPr>
+              </a:p>
+            </p:txBody>
+          </p:sp>
+        </mc:Choice>
+        <mc:Fallback>
+          <p:sp>
+            <p:nvSpPr>
+              <p:cNvPr id="3" name="내용 개체 틀 2">
+                <a:extLst>
+                  <a:ext uri="{FF2B5EF4-FFF2-40B4-BE49-F238E27FC236}">
+                    <a16:creationId xmlns:a16="http://schemas.microsoft.com/office/drawing/2014/main" id="{B1E3EA9C-BF9E-B240-A199-7FC252AAFB2E}"/>
+                  </a:ext>
+                </a:extLst>
+              </p:cNvPr>
+              <p:cNvSpPr>
+                <a:spLocks noGrp="1" noRot="1" noChangeAspect="1" noMove="1" noResize="1" noEditPoints="1" noAdjustHandles="1" noChangeArrowheads="1" noChangeShapeType="1" noTextEdit="1"/>
+              </p:cNvSpPr>
+              <p:nvPr>
+                <p:ph idx="1"/>
+              </p:nvPr>
+            </p:nvSpPr>
+            <p:spPr>
+              <a:blipFill>
+                <a:blip r:embed="rId2"/>
+                <a:stretch>
+                  <a:fillRect l="-844" t="-3198"/>
+                </a:stretch>
+              </a:blipFill>
+            </p:spPr>
+            <p:txBody>
+              <a:bodyPr/>
+              <a:lstStyle/>
+              <a:p>
+                <a:r>
+                  <a:rPr lang="ko-KR" altLang="en-US">
+                    <a:noFill/>
+                  </a:rPr>
+                  <a:t> </a:t>
+                </a:r>
+              </a:p>
+            </p:txBody>
+          </p:sp>
+        </mc:Fallback>
+      </mc:AlternateContent>
+    </p:spTree>
+    <p:extLst>
+      <p:ext uri="{BB962C8B-B14F-4D97-AF65-F5344CB8AC3E}">
+        <p14:creationId xmlns:p14="http://schemas.microsoft.com/office/powerpoint/2010/main" val="2131381832"/>
+      </p:ext>
+    </p:extLst>
+  </p:cSld>
+  <p:clrMapOvr>
+    <a:masterClrMapping/>
+  </p:clrMapOvr>
+</p:sld>
+</file>
+
+<file path=ppt/slides/slide5.xml><?xml version="1.0" encoding="utf-8"?>
+<p:sld xmlns:a="http://schemas.openxmlformats.org/drawingml/2006/main" xmlns:r="http://schemas.openxmlformats.org/officeDocument/2006/relationships" xmlns:p="http://schemas.openxmlformats.org/presentationml/2006/main">
+  <p:cSld>
+    <p:spTree>
+      <p:nvGrpSpPr>
+        <p:cNvPr id="1" name="">
+          <a:extLst>
+            <a:ext uri="{FF2B5EF4-FFF2-40B4-BE49-F238E27FC236}">
+              <a16:creationId xmlns:a16="http://schemas.microsoft.com/office/drawing/2014/main" id="{94A57A57-FF20-E49E-374A-DE826BFB3F1E}"/>
+            </a:ext>
+          </a:extLst>
+        </p:cNvPr>
+        <p:cNvGrpSpPr/>
+        <p:nvPr/>
+      </p:nvGrpSpPr>
+      <p:grpSpPr>
+        <a:xfrm>
+          <a:off x="0" y="0"/>
+          <a:ext cx="0" cy="0"/>
+          <a:chOff x="0" y="0"/>
+          <a:chExt cx="0" cy="0"/>
+        </a:xfrm>
+      </p:grpSpPr>
+      <p:sp>
+        <p:nvSpPr>
+          <p:cNvPr id="2" name="제목 1">
+            <a:extLst>
+              <a:ext uri="{FF2B5EF4-FFF2-40B4-BE49-F238E27FC236}">
+                <a16:creationId xmlns:a16="http://schemas.microsoft.com/office/drawing/2014/main" id="{7A69F427-760E-349F-FA40-03B488B7BF2A}"/>
+              </a:ext>
+            </a:extLst>
+          </p:cNvPr>
+          <p:cNvSpPr>
+            <a:spLocks noGrp="1"/>
+          </p:cNvSpPr>
+          <p:nvPr>
+            <p:ph type="title"/>
+          </p:nvPr>
+        </p:nvSpPr>
+        <p:spPr>
+          <a:xfrm>
+            <a:off x="838199" y="365125"/>
+            <a:ext cx="11253395" cy="1325563"/>
+          </a:xfrm>
+        </p:spPr>
+        <p:txBody>
+          <a:bodyPr>
+            <a:normAutofit/>
+          </a:bodyPr>
+          <a:lstStyle/>
+          <a:p>
+            <a:r>
+              <a:rPr lang="en-US" altLang="ko-KR" sz="3500" dirty="0">
+                <a:highlight>
+                  <a:srgbClr val="FFFF00"/>
+                </a:highlight>
+                <a:latin typeface="Arial" panose="020B0604020202020204" pitchFamily="34" charset="0"/>
+                <a:cs typeface="Arial" panose="020B0604020202020204" pitchFamily="34" charset="0"/>
+              </a:rPr>
+              <a:t>2. In vitro clonal expansion from postmortem tissue</a:t>
+            </a:r>
+          </a:p>
+        </p:txBody>
+      </p:sp>
+      <mc:AlternateContent xmlns:mc="http://schemas.openxmlformats.org/markup-compatibility/2006">
+        <mc:Choice xmlns:a14="http://schemas.microsoft.com/office/drawing/2010/main" Requires="a14">
+          <p:sp>
+            <p:nvSpPr>
+              <p:cNvPr id="3" name="내용 개체 틀 2">
+                <a:extLst>
+                  <a:ext uri="{FF2B5EF4-FFF2-40B4-BE49-F238E27FC236}">
+                    <a16:creationId xmlns:a16="http://schemas.microsoft.com/office/drawing/2014/main" id="{C992889A-9961-7B83-526A-BBF8EA8DDD1F}"/>
+                  </a:ext>
+                </a:extLst>
+              </p:cNvPr>
+              <p:cNvSpPr>
+                <a:spLocks noGrp="1"/>
+              </p:cNvSpPr>
+              <p:nvPr>
+                <p:ph idx="1"/>
+              </p:nvPr>
+            </p:nvSpPr>
+            <p:spPr/>
+            <p:txBody>
+              <a:bodyPr>
+                <a:normAutofit/>
+              </a:bodyPr>
+              <a:lstStyle/>
+              <a:p>
+                <a:r>
+                  <a:rPr kumimoji="1" lang="en-US" altLang="ko-KR" dirty="0">
+                    <a:latin typeface="Arial" panose="020B0604020202020204" pitchFamily="34" charset="0"/>
+                    <a:cs typeface="Arial" panose="020B0604020202020204" pitchFamily="34" charset="0"/>
+                  </a:rPr>
+                  <a:t>Method</a:t>
+                </a:r>
+              </a:p>
+              <a:p>
+                <a:pPr marL="914400" lvl="1" indent="-457200">
+                  <a:buFont typeface="+mj-lt"/>
+                  <a:buAutoNum type="arabicPeriod"/>
+                </a:pPr>
+                <a:r>
+                  <a:rPr kumimoji="1" lang="en-US" altLang="ko-KR" dirty="0">
+                    <a:latin typeface="Arial" panose="020B0604020202020204" pitchFamily="34" charset="0"/>
+                    <a:cs typeface="Arial" panose="020B0604020202020204" pitchFamily="34" charset="0"/>
+                  </a:rPr>
+                  <a:t>Collect tissue from postmortem body.</a:t>
+                </a:r>
+              </a:p>
+              <a:p>
+                <a:pPr marL="914400" lvl="1" indent="-457200">
+                  <a:buFont typeface="+mj-lt"/>
+                  <a:buAutoNum type="arabicPeriod"/>
+                </a:pPr>
+                <a:r>
+                  <a:rPr kumimoji="1" lang="en-US" altLang="ko-KR" dirty="0">
+                    <a:latin typeface="Arial" panose="020B0604020202020204" pitchFamily="34" charset="0"/>
+                    <a:cs typeface="Arial" panose="020B0604020202020204" pitchFamily="34" charset="0"/>
+                  </a:rPr>
+                  <a:t>Primary culture (Explant method): Outgrowth of cells</a:t>
+                </a:r>
+              </a:p>
+              <a:p>
+                <a:pPr marL="914400" lvl="1" indent="-457200">
+                  <a:buFont typeface="+mj-lt"/>
+                  <a:buAutoNum type="arabicPeriod"/>
+                </a:pPr>
+                <a:r>
+                  <a:rPr kumimoji="1" lang="en-US" altLang="ko-KR" dirty="0">
+                    <a:latin typeface="Arial" panose="020B0604020202020204" pitchFamily="34" charset="0"/>
+                    <a:cs typeface="Arial" panose="020B0604020202020204" pitchFamily="34" charset="0"/>
+                  </a:rPr>
+                  <a:t>Passage</a:t>
+                </a:r>
+              </a:p>
+              <a:p>
+                <a:pPr marL="914400" lvl="1" indent="-457200">
+                  <a:buFont typeface="+mj-lt"/>
+                  <a:buAutoNum type="arabicPeriod"/>
+                </a:pPr>
+                <a:r>
+                  <a:rPr kumimoji="1" lang="en-US" altLang="ko-KR" dirty="0">
+                    <a:latin typeface="Arial" panose="020B0604020202020204" pitchFamily="34" charset="0"/>
+                    <a:cs typeface="Arial" panose="020B0604020202020204" pitchFamily="34" charset="0"/>
+                  </a:rPr>
+                  <a:t>Single cell cloning</a:t>
+                </a:r>
+              </a:p>
+              <a:p>
+                <a:pPr marL="914400" lvl="1" indent="-457200">
+                  <a:buFont typeface="+mj-lt"/>
+                  <a:buAutoNum type="arabicPeriod"/>
+                </a:pPr>
+                <a:r>
+                  <a:rPr kumimoji="1" lang="en-US" altLang="ko-KR" dirty="0">
+                    <a:latin typeface="Arial" panose="020B0604020202020204" pitchFamily="34" charset="0"/>
+                    <a:cs typeface="Arial" panose="020B0604020202020204" pitchFamily="34" charset="0"/>
+                  </a:rPr>
+                  <a:t>Clonal expansion</a:t>
+                </a:r>
+              </a:p>
+              <a:p>
+                <a:pPr marL="914400" lvl="1" indent="-457200">
+                  <a:buFont typeface="+mj-lt"/>
+                  <a:buAutoNum type="arabicPeriod"/>
+                </a:pPr>
+                <a:r>
+                  <a:rPr kumimoji="1" lang="en-US" altLang="ko-KR" dirty="0">
+                    <a:latin typeface="Arial" panose="020B0604020202020204" pitchFamily="34" charset="0"/>
+                    <a:cs typeface="Arial" panose="020B0604020202020204" pitchFamily="34" charset="0"/>
+                  </a:rPr>
+                  <a:t>Clone collection</a:t>
+                </a:r>
+              </a:p>
+              <a:p>
+                <a:pPr marL="914400" lvl="1" indent="-457200">
+                  <a:buFont typeface="+mj-lt"/>
+                  <a:buAutoNum type="arabicPeriod"/>
+                </a:pPr>
+                <a:r>
+                  <a:rPr kumimoji="1" lang="en-US" altLang="ko-KR" dirty="0">
+                    <a:latin typeface="Arial" panose="020B0604020202020204" pitchFamily="34" charset="0"/>
+                    <a:cs typeface="Arial" panose="020B0604020202020204" pitchFamily="34" charset="0"/>
+                  </a:rPr>
+                  <a:t>Collect peak VAF </a:t>
+                </a:r>
+                <a14:m>
+                  <m:oMath xmlns:m="http://schemas.openxmlformats.org/officeDocument/2006/math">
+                    <m:r>
+                      <a:rPr kumimoji="1" lang="en-US" altLang="ko-KR" b="0" i="1" smtClean="0">
+                        <a:latin typeface="Cambria Math" panose="02040503050406030204" pitchFamily="18" charset="0"/>
+                        <a:cs typeface="Arial" panose="020B0604020202020204" pitchFamily="34" charset="0"/>
+                      </a:rPr>
+                      <m:t>≈</m:t>
+                    </m:r>
+                  </m:oMath>
+                </a14:m>
+                <a:r>
+                  <a:rPr kumimoji="1" lang="en-US" altLang="ko-KR" dirty="0">
+                    <a:latin typeface="Arial" panose="020B0604020202020204" pitchFamily="34" charset="0"/>
+                    <a:cs typeface="Arial" panose="020B0604020202020204" pitchFamily="34" charset="0"/>
+                  </a:rPr>
+                  <a:t> 50% for lineage tracing </a:t>
+                </a:r>
+              </a:p>
+              <a:p>
+                <a:pPr lvl="1"/>
+                <a:endParaRPr kumimoji="1" lang="ko-KR" altLang="en-US" dirty="0">
+                  <a:latin typeface="Arial" panose="020B0604020202020204" pitchFamily="34" charset="0"/>
+                  <a:cs typeface="Arial" panose="020B0604020202020204" pitchFamily="34" charset="0"/>
+                </a:endParaRPr>
+              </a:p>
+            </p:txBody>
+          </p:sp>
+        </mc:Choice>
+        <mc:Fallback>
+          <p:sp>
+            <p:nvSpPr>
+              <p:cNvPr id="3" name="내용 개체 틀 2">
+                <a:extLst>
+                  <a:ext uri="{FF2B5EF4-FFF2-40B4-BE49-F238E27FC236}">
+                    <a16:creationId xmlns:a16="http://schemas.microsoft.com/office/drawing/2014/main" id="{C992889A-9961-7B83-526A-BBF8EA8DDD1F}"/>
+                  </a:ext>
+                </a:extLst>
+              </p:cNvPr>
+              <p:cNvSpPr>
+                <a:spLocks noGrp="1" noRot="1" noChangeAspect="1" noMove="1" noResize="1" noEditPoints="1" noAdjustHandles="1" noChangeArrowheads="1" noChangeShapeType="1" noTextEdit="1"/>
+              </p:cNvSpPr>
+              <p:nvPr>
+                <p:ph idx="1"/>
+              </p:nvPr>
+            </p:nvSpPr>
+            <p:spPr>
+              <a:blipFill>
+                <a:blip r:embed="rId2"/>
+                <a:stretch>
+                  <a:fillRect l="-1086" t="-2326"/>
+                </a:stretch>
+              </a:blipFill>
+            </p:spPr>
+            <p:txBody>
+              <a:bodyPr/>
+              <a:lstStyle/>
+              <a:p>
+                <a:r>
+                  <a:rPr lang="ko-KR" altLang="en-US">
+                    <a:noFill/>
+                  </a:rPr>
+                  <a:t> </a:t>
+                </a:r>
+              </a:p>
+            </p:txBody>
+          </p:sp>
+        </mc:Fallback>
+      </mc:AlternateContent>
+    </p:spTree>
+    <p:extLst>
+      <p:ext uri="{BB962C8B-B14F-4D97-AF65-F5344CB8AC3E}">
+        <p14:creationId xmlns:p14="http://schemas.microsoft.com/office/powerpoint/2010/main" val="3792038509"/>
+      </p:ext>
+    </p:extLst>
+  </p:cSld>
+  <p:clrMapOvr>
+    <a:masterClrMapping/>
+  </p:clrMapOvr>
+</p:sld>
+</file>
+
+<file path=ppt/slides/slide6.xml><?xml version="1.0" encoding="utf-8"?>
+<p:sld xmlns:a="http://schemas.openxmlformats.org/drawingml/2006/main" xmlns:r="http://schemas.openxmlformats.org/officeDocument/2006/relationships" xmlns:p="http://schemas.openxmlformats.org/presentationml/2006/main">
+  <p:cSld>
+    <p:spTree>
+      <p:nvGrpSpPr>
+        <p:cNvPr id="1" name=""/>
+        <p:cNvGrpSpPr/>
+        <p:nvPr/>
+      </p:nvGrpSpPr>
+      <p:grpSpPr>
+        <a:xfrm>
+          <a:off x="0" y="0"/>
+          <a:ext cx="0" cy="0"/>
+          <a:chOff x="0" y="0"/>
+          <a:chExt cx="0" cy="0"/>
+        </a:xfrm>
+      </p:grpSpPr>
+      <p:sp>
+        <p:nvSpPr>
+          <p:cNvPr id="2" name="제목 1">
+            <a:extLst>
+              <a:ext uri="{FF2B5EF4-FFF2-40B4-BE49-F238E27FC236}">
+                <a16:creationId xmlns:a16="http://schemas.microsoft.com/office/drawing/2014/main" id="{FEE98643-F30F-90FB-0D06-F44DD0EFA9C7}"/>
+              </a:ext>
+            </a:extLst>
+          </p:cNvPr>
+          <p:cNvSpPr>
+            <a:spLocks noGrp="1"/>
+          </p:cNvSpPr>
+          <p:nvPr>
+            <p:ph type="title"/>
+          </p:nvPr>
+        </p:nvSpPr>
+        <p:spPr>
+          <a:xfrm>
+            <a:off x="838200" y="365125"/>
+            <a:ext cx="11353800" cy="1325563"/>
+          </a:xfrm>
+        </p:spPr>
+        <p:txBody>
+          <a:bodyPr>
+            <a:noAutofit/>
+          </a:bodyPr>
+          <a:lstStyle/>
+          <a:p>
+            <a:r>
+              <a:rPr kumimoji="1" lang="en-US" altLang="ko-KR" sz="3500" dirty="0">
+                <a:highlight>
+                  <a:srgbClr val="FFFF00"/>
+                </a:highlight>
+                <a:latin typeface="Arial" panose="020B0604020202020204" pitchFamily="34" charset="0"/>
+                <a:cs typeface="Arial" panose="020B0604020202020204" pitchFamily="34" charset="0"/>
+              </a:rPr>
+              <a:t>3. </a:t>
+            </a:r>
+            <a:r>
+              <a:rPr lang="en-US" altLang="ko-KR" sz="3500" dirty="0">
+                <a:highlight>
+                  <a:srgbClr val="FFFF00"/>
+                </a:highlight>
+                <a:latin typeface="Arial" panose="020B0604020202020204" pitchFamily="34" charset="0"/>
+                <a:cs typeface="Arial" panose="020B0604020202020204" pitchFamily="34" charset="0"/>
+              </a:rPr>
+              <a:t>Clonal dynamics in early human embryogenesis inferred from somatic mutation</a:t>
+            </a:r>
+            <a:endParaRPr kumimoji="1" lang="ko-KR" altLang="en-US" sz="3500" dirty="0">
+              <a:highlight>
+                <a:srgbClr val="FFFF00"/>
+              </a:highlight>
+              <a:latin typeface="Arial" panose="020B0604020202020204" pitchFamily="34" charset="0"/>
+              <a:cs typeface="Arial" panose="020B0604020202020204" pitchFamily="34" charset="0"/>
+            </a:endParaRPr>
+          </a:p>
+        </p:txBody>
+      </p:sp>
+      <p:sp>
+        <p:nvSpPr>
+          <p:cNvPr id="3" name="내용 개체 틀 2">
+            <a:extLst>
+              <a:ext uri="{FF2B5EF4-FFF2-40B4-BE49-F238E27FC236}">
+                <a16:creationId xmlns:a16="http://schemas.microsoft.com/office/drawing/2014/main" id="{E079FA57-A420-1019-2FF4-AA9AC9AD980B}"/>
+              </a:ext>
+            </a:extLst>
+          </p:cNvPr>
+          <p:cNvSpPr>
+            <a:spLocks noGrp="1"/>
+          </p:cNvSpPr>
+          <p:nvPr>
+            <p:ph idx="1"/>
+          </p:nvPr>
+        </p:nvSpPr>
+        <p:spPr/>
+        <p:txBody>
+          <a:bodyPr>
+            <a:normAutofit fontScale="92500" lnSpcReduction="20000"/>
+          </a:bodyPr>
+          <a:lstStyle/>
+          <a:p>
+            <a:r>
+              <a:rPr kumimoji="1" lang="en-US" altLang="ko-KR" dirty="0"/>
+              <a:t>‘Capture’ and ‘Recapture’</a:t>
+            </a:r>
+          </a:p>
+          <a:p>
+            <a:pPr lvl="1"/>
+            <a:r>
+              <a:rPr kumimoji="1" lang="en-US" altLang="ko-KR" dirty="0"/>
+              <a:t>‘Capture’ [Phase 1]</a:t>
+            </a:r>
+          </a:p>
+          <a:p>
+            <a:pPr lvl="2"/>
+            <a:r>
+              <a:rPr kumimoji="1" lang="en-US" altLang="ko-KR" dirty="0"/>
+              <a:t>Tissue collection -&gt; Clonal expansion -&gt; WGS -&gt; Tree -&gt; Mutation</a:t>
+            </a:r>
+          </a:p>
+          <a:p>
+            <a:pPr lvl="1"/>
+            <a:r>
+              <a:rPr kumimoji="1" lang="en-US" altLang="ko-KR" dirty="0"/>
+              <a:t>‘Recapture’ [Phase 2]</a:t>
+            </a:r>
+          </a:p>
+          <a:p>
+            <a:pPr lvl="2"/>
+            <a:r>
+              <a:rPr kumimoji="1" lang="en-US" altLang="ko-KR" dirty="0"/>
+              <a:t>Bulk tissues -&gt; Deep sequencing of early mutation -&gt; Analysis</a:t>
+            </a:r>
+          </a:p>
+          <a:p>
+            <a:r>
+              <a:rPr kumimoji="1" lang="en-US" altLang="ko-KR" dirty="0"/>
+              <a:t>Analysis</a:t>
+            </a:r>
+          </a:p>
+          <a:p>
+            <a:pPr lvl="1"/>
+            <a:r>
+              <a:rPr kumimoji="1" lang="en-US" altLang="ko-KR" dirty="0"/>
+              <a:t>Early embryonic mutations from tree</a:t>
+            </a:r>
+          </a:p>
+          <a:p>
+            <a:pPr lvl="1"/>
+            <a:r>
+              <a:rPr kumimoji="1" lang="en-US" altLang="ko-KR" dirty="0"/>
+              <a:t>Asymmetry and mutation rate in early embryogenesis</a:t>
+            </a:r>
+          </a:p>
+          <a:p>
+            <a:r>
+              <a:rPr kumimoji="1" lang="en-US" altLang="ko-KR" dirty="0"/>
+              <a:t>Data</a:t>
+            </a:r>
+          </a:p>
+          <a:p>
+            <a:pPr lvl="1"/>
+            <a:r>
+              <a:rPr kumimoji="1" lang="en-US" altLang="ko-KR" dirty="0"/>
+              <a:t>Phylogenetic tree</a:t>
+            </a:r>
+          </a:p>
+          <a:p>
+            <a:pPr lvl="2"/>
+            <a:r>
+              <a:rPr kumimoji="1" lang="en-US" altLang="ko-KR" dirty="0"/>
+              <a:t>Polytomy in internal node</a:t>
+            </a:r>
+          </a:p>
+          <a:p>
+            <a:pPr lvl="1"/>
+            <a:r>
+              <a:rPr kumimoji="1" lang="en-US" altLang="ko-KR" dirty="0"/>
+              <a:t>VAF ratio matrix (Mutation x Colonies)</a:t>
+            </a:r>
+          </a:p>
+          <a:p>
+            <a:pPr lvl="2"/>
+            <a:r>
+              <a:rPr kumimoji="1" lang="en-US" altLang="ko-KR" dirty="0"/>
+              <a:t>L1, L2 mutation group</a:t>
+            </a:r>
+          </a:p>
+          <a:p>
+            <a:pPr lvl="1"/>
+            <a:endParaRPr kumimoji="1" lang="ko-KR" altLang="en-US" dirty="0"/>
+          </a:p>
+        </p:txBody>
+      </p:sp>
+    </p:spTree>
+    <p:extLst>
+      <p:ext uri="{BB962C8B-B14F-4D97-AF65-F5344CB8AC3E}">
+        <p14:creationId xmlns:p14="http://schemas.microsoft.com/office/powerpoint/2010/main" val="3090477066"/>
       </p:ext>
     </p:extLst>
   </p:cSld>
